--- a/ai-agents.pptx
+++ b/ai-agents.pptx
@@ -9,6 +9,10 @@
     <p:sldId id="267" r:id="rId3"/>
     <p:sldId id="268" r:id="rId4"/>
     <p:sldId id="269" r:id="rId5"/>
+    <p:sldId id="270" r:id="rId6"/>
+    <p:sldId id="271" r:id="rId7"/>
+    <p:sldId id="272" r:id="rId8"/>
+    <p:sldId id="273" r:id="rId9"/>
   </p:sldIdLst>
   <p:sldSz cx="12192000" cy="6858000"/>
   <p:notesSz cx="6858000" cy="9144000"/>
@@ -4755,7 +4759,7 @@
             <a:pPr algn="ctr"/>
             <a:r>
               <a:rPr lang="en-GB" sz="5400" b="1" dirty="0"/>
-              <a:t>KEY TAKEWAYS</a:t>
+              <a:t>01 KEY TAKEWAYS</a:t>
             </a:r>
           </a:p>
         </p:txBody>
@@ -4775,7 +4779,7 @@
         <p:spPr>
           <a:xfrm>
             <a:off x="923112" y="1417314"/>
-            <a:ext cx="10345773" cy="2288923"/>
+            <a:ext cx="10345773" cy="4994797"/>
           </a:xfrm>
           <a:prstGeom prst="roundRect">
             <a:avLst/>
@@ -4809,23 +4813,26 @@
           <a:p>
             <a:r>
               <a:rPr lang="en-GB" sz="2800" b="1" dirty="0"/>
-              <a:t>   # 1 Create a natural language response to a query</a:t>
-            </a:r>
+              <a:t>   # 1 There is just one endpoint/route</a:t>
+            </a:r>
+          </a:p>
+          <a:p>
+            <a:endParaRPr lang="en-GB" sz="2800" b="1" dirty="0"/>
           </a:p>
           <a:p>
             <a:r>
               <a:rPr lang="en-GB" sz="2800" b="1" dirty="0"/>
-              <a:t>   # 2 Create a natural language response to a query</a:t>
-            </a:r>
+              <a:t>   # 2 It is STATELESS so we must pass all relevant data each time.</a:t>
+            </a:r>
+          </a:p>
+          <a:p>
+            <a:endParaRPr lang="en-GB" sz="2800" b="1" dirty="0"/>
           </a:p>
           <a:p>
             <a:r>
               <a:rPr lang="en-GB" sz="2800" b="1" dirty="0"/>
-              <a:t>   # 3 Create a natural language response to a query</a:t>
-            </a:r>
-          </a:p>
-          <a:p>
-            <a:endParaRPr lang="en-GB" sz="2800" b="1" dirty="0"/>
+              <a:t>   # 3 We pass messages in the form of SYSTEM and USER.</a:t>
+            </a:r>
           </a:p>
           <a:p>
             <a:endParaRPr lang="en-GB" sz="2800" b="1" dirty="0"/>
@@ -4836,6 +4843,689 @@
     <p:extLst>
       <p:ext uri="{BB962C8B-B14F-4D97-AF65-F5344CB8AC3E}">
         <p14:creationId xmlns:p14="http://schemas.microsoft.com/office/powerpoint/2010/main" val="1264716455"/>
+      </p:ext>
+    </p:extLst>
+  </p:cSld>
+  <p:clrMapOvr>
+    <a:masterClrMapping/>
+  </p:clrMapOvr>
+</p:sld>
+</file>
+
+<file path=ppt/slides/slide5.xml><?xml version="1.0" encoding="utf-8"?>
+<p:sld xmlns:a="http://schemas.openxmlformats.org/drawingml/2006/main" xmlns:r="http://schemas.openxmlformats.org/officeDocument/2006/relationships" xmlns:p="http://schemas.openxmlformats.org/presentationml/2006/main">
+  <p:cSld>
+    <p:bg>
+      <p:bgPr>
+        <a:solidFill>
+          <a:schemeClr val="tx1">
+            <a:lumMod val="50000"/>
+            <a:lumOff val="50000"/>
+          </a:schemeClr>
+        </a:solidFill>
+        <a:effectLst/>
+      </p:bgPr>
+    </p:bg>
+    <p:spTree>
+      <p:nvGrpSpPr>
+        <p:cNvPr id="1" name="">
+          <a:extLst>
+            <a:ext uri="{FF2B5EF4-FFF2-40B4-BE49-F238E27FC236}">
+              <a16:creationId xmlns:a16="http://schemas.microsoft.com/office/drawing/2014/main" id="{8522070B-B373-3928-ADFA-12305A25A521}"/>
+            </a:ext>
+          </a:extLst>
+        </p:cNvPr>
+        <p:cNvGrpSpPr/>
+        <p:nvPr/>
+      </p:nvGrpSpPr>
+      <p:grpSpPr>
+        <a:xfrm>
+          <a:off x="0" y="0"/>
+          <a:ext cx="0" cy="0"/>
+          <a:chOff x="0" y="0"/>
+          <a:chExt cx="0" cy="0"/>
+        </a:xfrm>
+      </p:grpSpPr>
+      <p:sp>
+        <p:nvSpPr>
+          <p:cNvPr id="2" name="Rectangle: Rounded Corners 1">
+            <a:extLst>
+              <a:ext uri="{FF2B5EF4-FFF2-40B4-BE49-F238E27FC236}">
+                <a16:creationId xmlns:a16="http://schemas.microsoft.com/office/drawing/2014/main" id="{78D2FA18-E820-EEC2-BDCF-C00FCA006B8A}"/>
+              </a:ext>
+            </a:extLst>
+          </p:cNvPr>
+          <p:cNvSpPr/>
+          <p:nvPr/>
+        </p:nvSpPr>
+        <p:spPr>
+          <a:xfrm>
+            <a:off x="923113" y="445889"/>
+            <a:ext cx="10345774" cy="801384"/>
+          </a:xfrm>
+          <a:prstGeom prst="roundRect">
+            <a:avLst/>
+          </a:prstGeom>
+        </p:spPr>
+        <p:style>
+          <a:lnRef idx="2">
+            <a:schemeClr val="accent2">
+              <a:shade val="15000"/>
+            </a:schemeClr>
+          </a:lnRef>
+          <a:fillRef idx="1">
+            <a:schemeClr val="accent2"/>
+          </a:fillRef>
+          <a:effectRef idx="0">
+            <a:schemeClr val="accent2"/>
+          </a:effectRef>
+          <a:fontRef idx="minor">
+            <a:schemeClr val="lt1"/>
+          </a:fontRef>
+        </p:style>
+        <p:txBody>
+          <a:bodyPr rtlCol="0" anchor="ctr"/>
+          <a:lstStyle/>
+          <a:p>
+            <a:pPr algn="ctr"/>
+            <a:r>
+              <a:rPr lang="en-GB" sz="5400" b="1" dirty="0"/>
+              <a:t>02 KEY TAKEWAYS</a:t>
+            </a:r>
+          </a:p>
+        </p:txBody>
+      </p:sp>
+      <p:sp>
+        <p:nvSpPr>
+          <p:cNvPr id="9" name="Rectangle: Rounded Corners 8">
+            <a:extLst>
+              <a:ext uri="{FF2B5EF4-FFF2-40B4-BE49-F238E27FC236}">
+                <a16:creationId xmlns:a16="http://schemas.microsoft.com/office/drawing/2014/main" id="{C523AF75-2517-8022-B4AC-B2E7A7A75430}"/>
+              </a:ext>
+            </a:extLst>
+          </p:cNvPr>
+          <p:cNvSpPr/>
+          <p:nvPr/>
+        </p:nvSpPr>
+        <p:spPr>
+          <a:xfrm>
+            <a:off x="923112" y="1417314"/>
+            <a:ext cx="10345773" cy="4994797"/>
+          </a:xfrm>
+          <a:prstGeom prst="roundRect">
+            <a:avLst/>
+          </a:prstGeom>
+        </p:spPr>
+        <p:style>
+          <a:lnRef idx="2">
+            <a:schemeClr val="accent2">
+              <a:shade val="15000"/>
+            </a:schemeClr>
+          </a:lnRef>
+          <a:fillRef idx="1">
+            <a:schemeClr val="accent2"/>
+          </a:fillRef>
+          <a:effectRef idx="0">
+            <a:schemeClr val="accent2"/>
+          </a:effectRef>
+          <a:fontRef idx="minor">
+            <a:schemeClr val="lt1"/>
+          </a:fontRef>
+        </p:style>
+        <p:txBody>
+          <a:bodyPr rtlCol="0" anchor="ctr"/>
+          <a:lstStyle/>
+          <a:p>
+            <a:r>
+              <a:rPr lang="en-GB" sz="2800" b="1" dirty="0"/>
+              <a:t>   </a:t>
+            </a:r>
+          </a:p>
+          <a:p>
+            <a:r>
+              <a:rPr lang="en-GB" sz="2800" b="1" dirty="0"/>
+              <a:t>   # 1 We can add instructions using Natural Language so that it performs operations.</a:t>
+            </a:r>
+          </a:p>
+          <a:p>
+            <a:endParaRPr lang="en-GB" sz="2800" b="1" dirty="0"/>
+          </a:p>
+          <a:p>
+            <a:r>
+              <a:rPr lang="en-GB" sz="2800" b="1" dirty="0"/>
+              <a:t>   # 2 The more specific and clear we are the better – like creating a good Job Description/Manual.</a:t>
+            </a:r>
+          </a:p>
+          <a:p>
+            <a:endParaRPr lang="en-GB" sz="2800" b="1" dirty="0"/>
+          </a:p>
+          <a:p>
+            <a:r>
+              <a:rPr lang="en-GB" sz="2800" b="1" dirty="0"/>
+              <a:t>   # 3 We imperatively define what output format we want and using Markdown/Caps has been shown to be effective.</a:t>
+            </a:r>
+          </a:p>
+          <a:p>
+            <a:endParaRPr lang="en-GB" sz="2800" b="1" dirty="0"/>
+          </a:p>
+        </p:txBody>
+      </p:sp>
+    </p:spTree>
+    <p:extLst>
+      <p:ext uri="{BB962C8B-B14F-4D97-AF65-F5344CB8AC3E}">
+        <p14:creationId xmlns:p14="http://schemas.microsoft.com/office/powerpoint/2010/main" val="3369447597"/>
+      </p:ext>
+    </p:extLst>
+  </p:cSld>
+  <p:clrMapOvr>
+    <a:masterClrMapping/>
+  </p:clrMapOvr>
+</p:sld>
+</file>
+
+<file path=ppt/slides/slide6.xml><?xml version="1.0" encoding="utf-8"?>
+<p:sld xmlns:a="http://schemas.openxmlformats.org/drawingml/2006/main" xmlns:r="http://schemas.openxmlformats.org/officeDocument/2006/relationships" xmlns:p="http://schemas.openxmlformats.org/presentationml/2006/main">
+  <p:cSld>
+    <p:bg>
+      <p:bgPr>
+        <a:solidFill>
+          <a:schemeClr val="tx1">
+            <a:lumMod val="50000"/>
+            <a:lumOff val="50000"/>
+          </a:schemeClr>
+        </a:solidFill>
+        <a:effectLst/>
+      </p:bgPr>
+    </p:bg>
+    <p:spTree>
+      <p:nvGrpSpPr>
+        <p:cNvPr id="1" name="">
+          <a:extLst>
+            <a:ext uri="{FF2B5EF4-FFF2-40B4-BE49-F238E27FC236}">
+              <a16:creationId xmlns:a16="http://schemas.microsoft.com/office/drawing/2014/main" id="{BBD0FBE3-A8DD-6EC7-0E80-BC45DEB0DDE5}"/>
+            </a:ext>
+          </a:extLst>
+        </p:cNvPr>
+        <p:cNvGrpSpPr/>
+        <p:nvPr/>
+      </p:nvGrpSpPr>
+      <p:grpSpPr>
+        <a:xfrm>
+          <a:off x="0" y="0"/>
+          <a:ext cx="0" cy="0"/>
+          <a:chOff x="0" y="0"/>
+          <a:chExt cx="0" cy="0"/>
+        </a:xfrm>
+      </p:grpSpPr>
+      <p:sp>
+        <p:nvSpPr>
+          <p:cNvPr id="2" name="Rectangle: Rounded Corners 1">
+            <a:extLst>
+              <a:ext uri="{FF2B5EF4-FFF2-40B4-BE49-F238E27FC236}">
+                <a16:creationId xmlns:a16="http://schemas.microsoft.com/office/drawing/2014/main" id="{1AEE9BEF-3619-E7A0-5139-38EF50DE9E7E}"/>
+              </a:ext>
+            </a:extLst>
+          </p:cNvPr>
+          <p:cNvSpPr/>
+          <p:nvPr/>
+        </p:nvSpPr>
+        <p:spPr>
+          <a:xfrm>
+            <a:off x="923113" y="445889"/>
+            <a:ext cx="10345774" cy="801384"/>
+          </a:xfrm>
+          <a:prstGeom prst="roundRect">
+            <a:avLst/>
+          </a:prstGeom>
+        </p:spPr>
+        <p:style>
+          <a:lnRef idx="2">
+            <a:schemeClr val="accent2">
+              <a:shade val="15000"/>
+            </a:schemeClr>
+          </a:lnRef>
+          <a:fillRef idx="1">
+            <a:schemeClr val="accent2"/>
+          </a:fillRef>
+          <a:effectRef idx="0">
+            <a:schemeClr val="accent2"/>
+          </a:effectRef>
+          <a:fontRef idx="minor">
+            <a:schemeClr val="lt1"/>
+          </a:fontRef>
+        </p:style>
+        <p:txBody>
+          <a:bodyPr rtlCol="0" anchor="ctr"/>
+          <a:lstStyle/>
+          <a:p>
+            <a:pPr algn="ctr"/>
+            <a:r>
+              <a:rPr lang="en-GB" sz="5400" b="1" dirty="0"/>
+              <a:t>03 KEY TAKEWAYS</a:t>
+            </a:r>
+          </a:p>
+        </p:txBody>
+      </p:sp>
+      <p:sp>
+        <p:nvSpPr>
+          <p:cNvPr id="9" name="Rectangle: Rounded Corners 8">
+            <a:extLst>
+              <a:ext uri="{FF2B5EF4-FFF2-40B4-BE49-F238E27FC236}">
+                <a16:creationId xmlns:a16="http://schemas.microsoft.com/office/drawing/2014/main" id="{43D1CF77-E8D2-B5CD-4F25-A6687351B106}"/>
+              </a:ext>
+            </a:extLst>
+          </p:cNvPr>
+          <p:cNvSpPr/>
+          <p:nvPr/>
+        </p:nvSpPr>
+        <p:spPr>
+          <a:xfrm>
+            <a:off x="923112" y="1417314"/>
+            <a:ext cx="10345773" cy="4994797"/>
+          </a:xfrm>
+          <a:prstGeom prst="roundRect">
+            <a:avLst/>
+          </a:prstGeom>
+        </p:spPr>
+        <p:style>
+          <a:lnRef idx="2">
+            <a:schemeClr val="accent2">
+              <a:shade val="15000"/>
+            </a:schemeClr>
+          </a:lnRef>
+          <a:fillRef idx="1">
+            <a:schemeClr val="accent2"/>
+          </a:fillRef>
+          <a:effectRef idx="0">
+            <a:schemeClr val="accent2"/>
+          </a:effectRef>
+          <a:fontRef idx="minor">
+            <a:schemeClr val="lt1"/>
+          </a:fontRef>
+        </p:style>
+        <p:txBody>
+          <a:bodyPr rtlCol="0" anchor="ctr"/>
+          <a:lstStyle/>
+          <a:p>
+            <a:r>
+              <a:rPr lang="en-GB" sz="2800" b="1" dirty="0"/>
+              <a:t>   </a:t>
+            </a:r>
+          </a:p>
+          <a:p>
+            <a:r>
+              <a:rPr lang="en-GB" sz="2800" b="1" dirty="0"/>
+              <a:t>   # 1 We can add contextual data to effectively ‘fine-tune’ the LLM.</a:t>
+            </a:r>
+          </a:p>
+          <a:p>
+            <a:endParaRPr lang="en-GB" sz="2800" b="1" dirty="0"/>
+          </a:p>
+          <a:p>
+            <a:r>
+              <a:rPr lang="en-GB" sz="2800" b="1" dirty="0"/>
+              <a:t>   # 2 Our queries will then be able to answer using this added data – RAG effectively.</a:t>
+            </a:r>
+          </a:p>
+          <a:p>
+            <a:endParaRPr lang="en-GB" sz="2800" b="1" dirty="0"/>
+          </a:p>
+          <a:p>
+            <a:r>
+              <a:rPr lang="en-GB" sz="2800" b="1" dirty="0"/>
+              <a:t>   # 3 We can ‘a bit of AI’ in the form of FAQ/HELP/SEARCH using this pattern.</a:t>
+            </a:r>
+          </a:p>
+          <a:p>
+            <a:endParaRPr lang="en-GB" sz="2800" b="1" dirty="0"/>
+          </a:p>
+        </p:txBody>
+      </p:sp>
+    </p:spTree>
+    <p:extLst>
+      <p:ext uri="{BB962C8B-B14F-4D97-AF65-F5344CB8AC3E}">
+        <p14:creationId xmlns:p14="http://schemas.microsoft.com/office/powerpoint/2010/main" val="1378230741"/>
+      </p:ext>
+    </p:extLst>
+  </p:cSld>
+  <p:clrMapOvr>
+    <a:masterClrMapping/>
+  </p:clrMapOvr>
+</p:sld>
+</file>
+
+<file path=ppt/slides/slide7.xml><?xml version="1.0" encoding="utf-8"?>
+<p:sld xmlns:a="http://schemas.openxmlformats.org/drawingml/2006/main" xmlns:r="http://schemas.openxmlformats.org/officeDocument/2006/relationships" xmlns:p="http://schemas.openxmlformats.org/presentationml/2006/main">
+  <p:cSld>
+    <p:bg>
+      <p:bgPr>
+        <a:solidFill>
+          <a:schemeClr val="tx1">
+            <a:lumMod val="50000"/>
+            <a:lumOff val="50000"/>
+          </a:schemeClr>
+        </a:solidFill>
+        <a:effectLst/>
+      </p:bgPr>
+    </p:bg>
+    <p:spTree>
+      <p:nvGrpSpPr>
+        <p:cNvPr id="1" name="">
+          <a:extLst>
+            <a:ext uri="{FF2B5EF4-FFF2-40B4-BE49-F238E27FC236}">
+              <a16:creationId xmlns:a16="http://schemas.microsoft.com/office/drawing/2014/main" id="{9BF982DE-3D5D-86ED-BE11-15029EC574AE}"/>
+            </a:ext>
+          </a:extLst>
+        </p:cNvPr>
+        <p:cNvGrpSpPr/>
+        <p:nvPr/>
+      </p:nvGrpSpPr>
+      <p:grpSpPr>
+        <a:xfrm>
+          <a:off x="0" y="0"/>
+          <a:ext cx="0" cy="0"/>
+          <a:chOff x="0" y="0"/>
+          <a:chExt cx="0" cy="0"/>
+        </a:xfrm>
+      </p:grpSpPr>
+      <p:sp>
+        <p:nvSpPr>
+          <p:cNvPr id="2" name="Rectangle: Rounded Corners 1">
+            <a:extLst>
+              <a:ext uri="{FF2B5EF4-FFF2-40B4-BE49-F238E27FC236}">
+                <a16:creationId xmlns:a16="http://schemas.microsoft.com/office/drawing/2014/main" id="{E3626150-B9CD-C125-5141-9B4DCBC4E9DF}"/>
+              </a:ext>
+            </a:extLst>
+          </p:cNvPr>
+          <p:cNvSpPr/>
+          <p:nvPr/>
+        </p:nvSpPr>
+        <p:spPr>
+          <a:xfrm>
+            <a:off x="923113" y="445889"/>
+            <a:ext cx="10345774" cy="801384"/>
+          </a:xfrm>
+          <a:prstGeom prst="roundRect">
+            <a:avLst/>
+          </a:prstGeom>
+        </p:spPr>
+        <p:style>
+          <a:lnRef idx="2">
+            <a:schemeClr val="accent2">
+              <a:shade val="15000"/>
+            </a:schemeClr>
+          </a:lnRef>
+          <a:fillRef idx="1">
+            <a:schemeClr val="accent2"/>
+          </a:fillRef>
+          <a:effectRef idx="0">
+            <a:schemeClr val="accent2"/>
+          </a:effectRef>
+          <a:fontRef idx="minor">
+            <a:schemeClr val="lt1"/>
+          </a:fontRef>
+        </p:style>
+        <p:txBody>
+          <a:bodyPr rtlCol="0" anchor="ctr"/>
+          <a:lstStyle/>
+          <a:p>
+            <a:pPr algn="ctr"/>
+            <a:r>
+              <a:rPr lang="en-GB" sz="5400" b="1" dirty="0"/>
+              <a:t>04 KEY TAKEWAYS</a:t>
+            </a:r>
+          </a:p>
+        </p:txBody>
+      </p:sp>
+      <p:sp>
+        <p:nvSpPr>
+          <p:cNvPr id="9" name="Rectangle: Rounded Corners 8">
+            <a:extLst>
+              <a:ext uri="{FF2B5EF4-FFF2-40B4-BE49-F238E27FC236}">
+                <a16:creationId xmlns:a16="http://schemas.microsoft.com/office/drawing/2014/main" id="{66A5AE2B-382F-5D2E-CACE-068F5E44E7D9}"/>
+              </a:ext>
+            </a:extLst>
+          </p:cNvPr>
+          <p:cNvSpPr/>
+          <p:nvPr/>
+        </p:nvSpPr>
+        <p:spPr>
+          <a:xfrm>
+            <a:off x="923112" y="1417314"/>
+            <a:ext cx="10345773" cy="4994797"/>
+          </a:xfrm>
+          <a:prstGeom prst="roundRect">
+            <a:avLst/>
+          </a:prstGeom>
+        </p:spPr>
+        <p:style>
+          <a:lnRef idx="2">
+            <a:schemeClr val="accent2">
+              <a:shade val="15000"/>
+            </a:schemeClr>
+          </a:lnRef>
+          <a:fillRef idx="1">
+            <a:schemeClr val="accent2"/>
+          </a:fillRef>
+          <a:effectRef idx="0">
+            <a:schemeClr val="accent2"/>
+          </a:effectRef>
+          <a:fontRef idx="minor">
+            <a:schemeClr val="lt1"/>
+          </a:fontRef>
+        </p:style>
+        <p:txBody>
+          <a:bodyPr rtlCol="0" anchor="ctr"/>
+          <a:lstStyle/>
+          <a:p>
+            <a:r>
+              <a:rPr lang="en-GB" sz="2800" b="1" dirty="0"/>
+              <a:t>   </a:t>
+            </a:r>
+          </a:p>
+          <a:p>
+            <a:r>
+              <a:rPr lang="en-GB" sz="2800" b="1" dirty="0"/>
+              <a:t>   # 1 The Agent can select the most appropriate report from Natural Language from a form say that can be </a:t>
+            </a:r>
+            <a:r>
+              <a:rPr lang="en-GB" sz="2800" b="1" dirty="0" err="1"/>
+              <a:t>comined</a:t>
+            </a:r>
+            <a:r>
+              <a:rPr lang="en-GB" sz="2800" b="1" dirty="0"/>
+              <a:t> with structured input from a form like dates, format etc.</a:t>
+            </a:r>
+          </a:p>
+          <a:p>
+            <a:endParaRPr lang="en-GB" sz="2800" b="1" dirty="0"/>
+          </a:p>
+          <a:p>
+            <a:r>
+              <a:rPr lang="en-GB" sz="2800" b="1" dirty="0"/>
+              <a:t>   # 2 This is akin to an ‘if/else’ pattern  because we can code in the next step based on what is returned. </a:t>
+            </a:r>
+          </a:p>
+          <a:p>
+            <a:endParaRPr lang="en-GB" sz="2800" b="1" dirty="0"/>
+          </a:p>
+          <a:p>
+            <a:r>
+              <a:rPr lang="en-GB" sz="2800" b="1" dirty="0"/>
+              <a:t>   #3 We could pass this to another agent which can then execute instructions in it as well as determine the next step.</a:t>
+            </a:r>
+          </a:p>
+          <a:p>
+            <a:endParaRPr lang="en-GB" sz="2800" b="1" dirty="0"/>
+          </a:p>
+        </p:txBody>
+      </p:sp>
+    </p:spTree>
+    <p:extLst>
+      <p:ext uri="{BB962C8B-B14F-4D97-AF65-F5344CB8AC3E}">
+        <p14:creationId xmlns:p14="http://schemas.microsoft.com/office/powerpoint/2010/main" val="3060740445"/>
+      </p:ext>
+    </p:extLst>
+  </p:cSld>
+  <p:clrMapOvr>
+    <a:masterClrMapping/>
+  </p:clrMapOvr>
+</p:sld>
+</file>
+
+<file path=ppt/slides/slide8.xml><?xml version="1.0" encoding="utf-8"?>
+<p:sld xmlns:a="http://schemas.openxmlformats.org/drawingml/2006/main" xmlns:r="http://schemas.openxmlformats.org/officeDocument/2006/relationships" xmlns:p="http://schemas.openxmlformats.org/presentationml/2006/main">
+  <p:cSld>
+    <p:bg>
+      <p:bgPr>
+        <a:solidFill>
+          <a:schemeClr val="tx1">
+            <a:lumMod val="50000"/>
+            <a:lumOff val="50000"/>
+          </a:schemeClr>
+        </a:solidFill>
+        <a:effectLst/>
+      </p:bgPr>
+    </p:bg>
+    <p:spTree>
+      <p:nvGrpSpPr>
+        <p:cNvPr id="1" name="">
+          <a:extLst>
+            <a:ext uri="{FF2B5EF4-FFF2-40B4-BE49-F238E27FC236}">
+              <a16:creationId xmlns:a16="http://schemas.microsoft.com/office/drawing/2014/main" id="{46C894D9-191B-4FDF-BC64-C5BF79E58676}"/>
+            </a:ext>
+          </a:extLst>
+        </p:cNvPr>
+        <p:cNvGrpSpPr/>
+        <p:nvPr/>
+      </p:nvGrpSpPr>
+      <p:grpSpPr>
+        <a:xfrm>
+          <a:off x="0" y="0"/>
+          <a:ext cx="0" cy="0"/>
+          <a:chOff x="0" y="0"/>
+          <a:chExt cx="0" cy="0"/>
+        </a:xfrm>
+      </p:grpSpPr>
+      <p:sp>
+        <p:nvSpPr>
+          <p:cNvPr id="2" name="Rectangle: Rounded Corners 1">
+            <a:extLst>
+              <a:ext uri="{FF2B5EF4-FFF2-40B4-BE49-F238E27FC236}">
+                <a16:creationId xmlns:a16="http://schemas.microsoft.com/office/drawing/2014/main" id="{B7E45732-6530-EC9C-BAF4-82987432D01A}"/>
+              </a:ext>
+            </a:extLst>
+          </p:cNvPr>
+          <p:cNvSpPr/>
+          <p:nvPr/>
+        </p:nvSpPr>
+        <p:spPr>
+          <a:xfrm>
+            <a:off x="923113" y="445889"/>
+            <a:ext cx="10345774" cy="801384"/>
+          </a:xfrm>
+          <a:prstGeom prst="roundRect">
+            <a:avLst/>
+          </a:prstGeom>
+        </p:spPr>
+        <p:style>
+          <a:lnRef idx="2">
+            <a:schemeClr val="accent2">
+              <a:shade val="15000"/>
+            </a:schemeClr>
+          </a:lnRef>
+          <a:fillRef idx="1">
+            <a:schemeClr val="accent2"/>
+          </a:fillRef>
+          <a:effectRef idx="0">
+            <a:schemeClr val="accent2"/>
+          </a:effectRef>
+          <a:fontRef idx="minor">
+            <a:schemeClr val="lt1"/>
+          </a:fontRef>
+        </p:style>
+        <p:txBody>
+          <a:bodyPr rtlCol="0" anchor="ctr"/>
+          <a:lstStyle/>
+          <a:p>
+            <a:pPr algn="ctr"/>
+            <a:r>
+              <a:rPr lang="en-GB" sz="5400" b="1" dirty="0"/>
+              <a:t>05 KEY TAKEWAYS</a:t>
+            </a:r>
+          </a:p>
+        </p:txBody>
+      </p:sp>
+      <p:sp>
+        <p:nvSpPr>
+          <p:cNvPr id="9" name="Rectangle: Rounded Corners 8">
+            <a:extLst>
+              <a:ext uri="{FF2B5EF4-FFF2-40B4-BE49-F238E27FC236}">
+                <a16:creationId xmlns:a16="http://schemas.microsoft.com/office/drawing/2014/main" id="{49D0882D-5C3A-8BCE-75EE-7828508651AC}"/>
+              </a:ext>
+            </a:extLst>
+          </p:cNvPr>
+          <p:cNvSpPr/>
+          <p:nvPr/>
+        </p:nvSpPr>
+        <p:spPr>
+          <a:xfrm>
+            <a:off x="923112" y="1417314"/>
+            <a:ext cx="10345773" cy="4994797"/>
+          </a:xfrm>
+          <a:prstGeom prst="roundRect">
+            <a:avLst/>
+          </a:prstGeom>
+        </p:spPr>
+        <p:style>
+          <a:lnRef idx="2">
+            <a:schemeClr val="accent2">
+              <a:shade val="15000"/>
+            </a:schemeClr>
+          </a:lnRef>
+          <a:fillRef idx="1">
+            <a:schemeClr val="accent2"/>
+          </a:fillRef>
+          <a:effectRef idx="0">
+            <a:schemeClr val="accent2"/>
+          </a:effectRef>
+          <a:fontRef idx="minor">
+            <a:schemeClr val="lt1"/>
+          </a:fontRef>
+        </p:style>
+        <p:txBody>
+          <a:bodyPr rtlCol="0" anchor="ctr"/>
+          <a:lstStyle/>
+          <a:p>
+            <a:r>
+              <a:rPr lang="en-GB" sz="2800" b="1" dirty="0"/>
+              <a:t>   </a:t>
+            </a:r>
+          </a:p>
+          <a:p>
+            <a:r>
+              <a:rPr lang="en-GB" sz="2800" b="1" dirty="0"/>
+              <a:t>   # 1 We can get the agent to determine which tool to run by further asking it to extract the arguments and the function name.</a:t>
+            </a:r>
+          </a:p>
+          <a:p>
+            <a:endParaRPr lang="en-GB" sz="2800" b="1" dirty="0"/>
+          </a:p>
+          <a:p>
+            <a:r>
+              <a:rPr lang="en-GB" sz="2800" b="1" dirty="0"/>
+              <a:t>   # 2 This is known as ‘tool calling’. Once the function and arguments are executed, we can pass them on to another agent or we can loop over the output until we get a specified answer, (see 20_planning).</a:t>
+            </a:r>
+          </a:p>
+          <a:p>
+            <a:endParaRPr lang="en-GB" sz="2800" b="1" dirty="0"/>
+          </a:p>
+        </p:txBody>
+      </p:sp>
+    </p:spTree>
+    <p:extLst>
+      <p:ext uri="{BB962C8B-B14F-4D97-AF65-F5344CB8AC3E}">
+        <p14:creationId xmlns:p14="http://schemas.microsoft.com/office/powerpoint/2010/main" val="3115305650"/>
       </p:ext>
     </p:extLst>
   </p:cSld>

--- a/ai-agents.pptx
+++ b/ai-agents.pptx
@@ -276,7 +276,7 @@
           <a:p>
             <a:fld id="{9F984A1A-F576-403E-81D7-74E1235F9109}" type="datetimeFigureOut">
               <a:rPr lang="en-GB" smtClean="0"/>
-              <a:t>23/02/2025</a:t>
+              <a:t>24/02/2025</a:t>
             </a:fld>
             <a:endParaRPr lang="en-GB"/>
           </a:p>
@@ -476,7 +476,7 @@
           <a:p>
             <a:fld id="{9F984A1A-F576-403E-81D7-74E1235F9109}" type="datetimeFigureOut">
               <a:rPr lang="en-GB" smtClean="0"/>
-              <a:t>23/02/2025</a:t>
+              <a:t>24/02/2025</a:t>
             </a:fld>
             <a:endParaRPr lang="en-GB"/>
           </a:p>
@@ -686,7 +686,7 @@
           <a:p>
             <a:fld id="{9F984A1A-F576-403E-81D7-74E1235F9109}" type="datetimeFigureOut">
               <a:rPr lang="en-GB" smtClean="0"/>
-              <a:t>23/02/2025</a:t>
+              <a:t>24/02/2025</a:t>
             </a:fld>
             <a:endParaRPr lang="en-GB"/>
           </a:p>
@@ -886,7 +886,7 @@
           <a:p>
             <a:fld id="{9F984A1A-F576-403E-81D7-74E1235F9109}" type="datetimeFigureOut">
               <a:rPr lang="en-GB" smtClean="0"/>
-              <a:t>23/02/2025</a:t>
+              <a:t>24/02/2025</a:t>
             </a:fld>
             <a:endParaRPr lang="en-GB"/>
           </a:p>
@@ -1162,7 +1162,7 @@
           <a:p>
             <a:fld id="{9F984A1A-F576-403E-81D7-74E1235F9109}" type="datetimeFigureOut">
               <a:rPr lang="en-GB" smtClean="0"/>
-              <a:t>23/02/2025</a:t>
+              <a:t>24/02/2025</a:t>
             </a:fld>
             <a:endParaRPr lang="en-GB"/>
           </a:p>
@@ -1430,7 +1430,7 @@
           <a:p>
             <a:fld id="{9F984A1A-F576-403E-81D7-74E1235F9109}" type="datetimeFigureOut">
               <a:rPr lang="en-GB" smtClean="0"/>
-              <a:t>23/02/2025</a:t>
+              <a:t>24/02/2025</a:t>
             </a:fld>
             <a:endParaRPr lang="en-GB"/>
           </a:p>
@@ -1845,7 +1845,7 @@
           <a:p>
             <a:fld id="{9F984A1A-F576-403E-81D7-74E1235F9109}" type="datetimeFigureOut">
               <a:rPr lang="en-GB" smtClean="0"/>
-              <a:t>23/02/2025</a:t>
+              <a:t>24/02/2025</a:t>
             </a:fld>
             <a:endParaRPr lang="en-GB"/>
           </a:p>
@@ -1987,7 +1987,7 @@
           <a:p>
             <a:fld id="{9F984A1A-F576-403E-81D7-74E1235F9109}" type="datetimeFigureOut">
               <a:rPr lang="en-GB" smtClean="0"/>
-              <a:t>23/02/2025</a:t>
+              <a:t>24/02/2025</a:t>
             </a:fld>
             <a:endParaRPr lang="en-GB"/>
           </a:p>
@@ -2100,7 +2100,7 @@
           <a:p>
             <a:fld id="{9F984A1A-F576-403E-81D7-74E1235F9109}" type="datetimeFigureOut">
               <a:rPr lang="en-GB" smtClean="0"/>
-              <a:t>23/02/2025</a:t>
+              <a:t>24/02/2025</a:t>
             </a:fld>
             <a:endParaRPr lang="en-GB"/>
           </a:p>
@@ -2413,7 +2413,7 @@
           <a:p>
             <a:fld id="{9F984A1A-F576-403E-81D7-74E1235F9109}" type="datetimeFigureOut">
               <a:rPr lang="en-GB" smtClean="0"/>
-              <a:t>23/02/2025</a:t>
+              <a:t>24/02/2025</a:t>
             </a:fld>
             <a:endParaRPr lang="en-GB"/>
           </a:p>
@@ -2702,7 +2702,7 @@
           <a:p>
             <a:fld id="{9F984A1A-F576-403E-81D7-74E1235F9109}" type="datetimeFigureOut">
               <a:rPr lang="en-GB" smtClean="0"/>
-              <a:t>23/02/2025</a:t>
+              <a:t>24/02/2025</a:t>
             </a:fld>
             <a:endParaRPr lang="en-GB"/>
           </a:p>
@@ -2945,7 +2945,7 @@
           <a:p>
             <a:fld id="{9F984A1A-F576-403E-81D7-74E1235F9109}" type="datetimeFigureOut">
               <a:rPr lang="en-GB" smtClean="0"/>
-              <a:t>23/02/2025</a:t>
+              <a:t>24/02/2025</a:t>
             </a:fld>
             <a:endParaRPr lang="en-GB"/>
           </a:p>
@@ -5505,8 +5505,13 @@
           <a:p>
             <a:r>
               <a:rPr lang="en-GB" sz="2800" b="1" dirty="0"/>
-              <a:t>   # 1 We can get the agent to determine which tool to run by further asking it to extract the arguments and the function name.</a:t>
-            </a:r>
+              <a:t>   # 1 We can get the agent to determine which tool to run by further asking it to extract the arguments and the function name. Tool is some code – function</a:t>
+            </a:r>
+            <a:r>
+              <a:rPr lang="en-GB" sz="2800" b="1"/>
+              <a:t>/class etc.</a:t>
+            </a:r>
+            <a:endParaRPr lang="en-GB" sz="2800" b="1" dirty="0"/>
           </a:p>
           <a:p>
             <a:endParaRPr lang="en-GB" sz="2800" b="1" dirty="0"/>

--- a/ai-agents.pptx
+++ b/ai-agents.pptx
@@ -4813,7 +4813,7 @@
           <a:p>
             <a:r>
               <a:rPr lang="en-GB" sz="2800" b="1" dirty="0"/>
-              <a:t>   # 1 There is just one endpoint/route</a:t>
+              <a:t>   # 1 There is just one endpoint/route.</a:t>
             </a:r>
           </a:p>
           <a:p>
@@ -4831,7 +4831,7 @@
           <a:p>
             <a:r>
               <a:rPr lang="en-GB" sz="2800" b="1" dirty="0"/>
-              <a:t>   # 3 We pass messages in the form of SYSTEM and USER.</a:t>
+              <a:t>   # 3 We pass messages in the form of SYSTEM messages and USER messages as OpenAI used this in their training set.</a:t>
             </a:r>
           </a:p>
           <a:p>
@@ -5002,7 +5002,7 @@
           <a:p>
             <a:r>
               <a:rPr lang="en-GB" sz="2800" b="1" dirty="0"/>
-              <a:t>   # 3 We imperatively define what output format we want and using Markdown/Caps has been shown to be effective.</a:t>
+              <a:t>   # 3 We imperatively define what output format we want and using Markdown/Caps has been shown to be effective in emphasising points.</a:t>
             </a:r>
           </a:p>
           <a:p>
@@ -5326,15 +5326,15 @@
           <a:p>
             <a:r>
               <a:rPr lang="en-GB" sz="2800" b="1" dirty="0"/>
-              <a:t>   # 1 The Agent can select the most appropriate report from Natural Language from a form say that can be </a:t>
-            </a:r>
-            <a:r>
-              <a:rPr lang="en-GB" sz="2800" b="1" dirty="0" err="1"/>
-              <a:t>comined</a:t>
+              <a:t>   # 1 The Agent can select the most appropriate report from Natural Language from a form for example, that can </a:t>
+            </a:r>
+            <a:r>
+              <a:rPr lang="en-GB" sz="2800" b="1"/>
+              <a:t>be combined </a:t>
             </a:r>
             <a:r>
               <a:rPr lang="en-GB" sz="2800" b="1" dirty="0"/>
-              <a:t> with structured input from a form like dates, format etc.</a:t>
+              <a:t>with structured input from a form like dates, format etc.</a:t>
             </a:r>
           </a:p>
           <a:p>

--- a/ai-agents.pptx
+++ b/ai-agents.pptx
@@ -4284,7 +4284,7 @@
         </p:nvSpPr>
         <p:spPr>
           <a:xfrm>
-            <a:off x="887002" y="4137348"/>
+            <a:off x="743164" y="3832693"/>
             <a:ext cx="10705671" cy="1077218"/>
           </a:xfrm>
           <a:prstGeom prst="rect">
@@ -4302,6 +4302,46 @@
               <a:rPr lang="en-GB" sz="3200" dirty="0"/>
               <a:t>We change our QUERY_2 to carry out new instructions along with previous RESPONSE_1 to generate RESPONSE_2</a:t>
             </a:r>
+          </a:p>
+        </p:txBody>
+      </p:sp>
+      <p:sp>
+        <p:nvSpPr>
+          <p:cNvPr id="6" name="TextBox 5">
+            <a:extLst>
+              <a:ext uri="{FF2B5EF4-FFF2-40B4-BE49-F238E27FC236}">
+                <a16:creationId xmlns:a16="http://schemas.microsoft.com/office/drawing/2014/main" id="{72824D61-1948-BFFB-13F0-8D7BC9A4EA0F}"/>
+              </a:ext>
+            </a:extLst>
+          </p:cNvPr>
+          <p:cNvSpPr txBox="1"/>
+          <p:nvPr/>
+        </p:nvSpPr>
+        <p:spPr>
+          <a:xfrm>
+            <a:off x="743164" y="5005941"/>
+            <a:ext cx="10705671" cy="1077218"/>
+          </a:xfrm>
+          <a:prstGeom prst="rect">
+            <a:avLst/>
+          </a:prstGeom>
+          <a:noFill/>
+        </p:spPr>
+        <p:txBody>
+          <a:bodyPr wrap="square" rtlCol="0">
+            <a:spAutoFit/>
+          </a:bodyPr>
+          <a:lstStyle/>
+          <a:p>
+            <a:r>
+              <a:rPr lang="en-GB" sz="3200" dirty="0"/>
+              <a:t>We can pass RESPONSE_1 to another Agent if we want to separate </a:t>
+            </a:r>
+            <a:r>
+              <a:rPr lang="en-GB" sz="3200"/>
+              <a:t>out functionality. </a:t>
+            </a:r>
+            <a:endParaRPr lang="en-GB" sz="3200" dirty="0"/>
           </a:p>
         </p:txBody>
       </p:sp>

--- a/ai-agents.pptx
+++ b/ai-agents.pptx
@@ -3393,8 +3393,8 @@
         </p:nvSpPr>
         <p:spPr>
           <a:xfrm>
-            <a:off x="744878" y="1295530"/>
-            <a:ext cx="11270750" cy="523220"/>
+            <a:off x="744878" y="890198"/>
+            <a:ext cx="11270750" cy="830997"/>
           </a:xfrm>
           <a:prstGeom prst="rect">
             <a:avLst/>
@@ -3407,20 +3407,20 @@
           </a:bodyPr>
           <a:lstStyle/>
           <a:p>
-            <a:pPr algn="l">
+            <a:pPr algn="ctr">
               <a:spcBef>
                 <a:spcPts val="1500"/>
               </a:spcBef>
             </a:pPr>
             <a:r>
-              <a:rPr lang="en-GB" sz="2800" b="0" i="0" dirty="0">
+              <a:rPr lang="en-GB" sz="4800" i="0" dirty="0">
                 <a:solidFill>
                   <a:schemeClr val="bg1"/>
                 </a:solidFill>
                 <a:effectLst/>
                 <a:latin typeface="Montserrat" panose="020F0502020204030204" pitchFamily="2" charset="0"/>
               </a:rPr>
-              <a:t>Implementing Agentic AI Solutions in Django from scratch</a:t>
+              <a:t>AI as API in everyday Python</a:t>
             </a:r>
           </a:p>
         </p:txBody>
@@ -3439,7 +3439,7 @@
         </p:nvSpPr>
         <p:spPr>
           <a:xfrm>
-            <a:off x="460625" y="360580"/>
+            <a:off x="460625" y="155027"/>
             <a:ext cx="11270750" cy="830997"/>
           </a:xfrm>
           <a:prstGeom prst="rect">
@@ -3462,16 +3462,6 @@
               </a:spcAft>
             </a:pPr>
             <a:r>
-              <a:rPr lang="en-GB" sz="4800" b="0" i="0" u="none" strike="noStrike" dirty="0" err="1">
-                <a:solidFill>
-                  <a:schemeClr val="bg1"/>
-                </a:solidFill>
-                <a:effectLst/>
-                <a:latin typeface="Montserrat" panose="00000500000000000000" pitchFamily="2" charset="0"/>
-              </a:rPr>
-              <a:t>DjangoCongress</a:t>
-            </a:r>
-            <a:r>
               <a:rPr lang="en-GB" sz="4800" b="0" i="0" u="none" strike="noStrike" dirty="0">
                 <a:solidFill>
                   <a:schemeClr val="bg1"/>
@@ -3479,7 +3469,7 @@
                 <a:effectLst/>
                 <a:latin typeface="Montserrat" panose="00000500000000000000" pitchFamily="2" charset="0"/>
               </a:rPr>
-              <a:t> JP</a:t>
+              <a:t>Brighton Py</a:t>
             </a:r>
           </a:p>
         </p:txBody>

--- a/ai-agents.pptx
+++ b/ai-agents.pptx
@@ -276,7 +276,7 @@
           <a:p>
             <a:fld id="{9F984A1A-F576-403E-81D7-74E1235F9109}" type="datetimeFigureOut">
               <a:rPr lang="en-GB" smtClean="0"/>
-              <a:t>24/02/2025</a:t>
+              <a:t>25/02/2025</a:t>
             </a:fld>
             <a:endParaRPr lang="en-GB"/>
           </a:p>
@@ -476,7 +476,7 @@
           <a:p>
             <a:fld id="{9F984A1A-F576-403E-81D7-74E1235F9109}" type="datetimeFigureOut">
               <a:rPr lang="en-GB" smtClean="0"/>
-              <a:t>24/02/2025</a:t>
+              <a:t>25/02/2025</a:t>
             </a:fld>
             <a:endParaRPr lang="en-GB"/>
           </a:p>
@@ -686,7 +686,7 @@
           <a:p>
             <a:fld id="{9F984A1A-F576-403E-81D7-74E1235F9109}" type="datetimeFigureOut">
               <a:rPr lang="en-GB" smtClean="0"/>
-              <a:t>24/02/2025</a:t>
+              <a:t>25/02/2025</a:t>
             </a:fld>
             <a:endParaRPr lang="en-GB"/>
           </a:p>
@@ -886,7 +886,7 @@
           <a:p>
             <a:fld id="{9F984A1A-F576-403E-81D7-74E1235F9109}" type="datetimeFigureOut">
               <a:rPr lang="en-GB" smtClean="0"/>
-              <a:t>24/02/2025</a:t>
+              <a:t>25/02/2025</a:t>
             </a:fld>
             <a:endParaRPr lang="en-GB"/>
           </a:p>
@@ -1162,7 +1162,7 @@
           <a:p>
             <a:fld id="{9F984A1A-F576-403E-81D7-74E1235F9109}" type="datetimeFigureOut">
               <a:rPr lang="en-GB" smtClean="0"/>
-              <a:t>24/02/2025</a:t>
+              <a:t>25/02/2025</a:t>
             </a:fld>
             <a:endParaRPr lang="en-GB"/>
           </a:p>
@@ -1430,7 +1430,7 @@
           <a:p>
             <a:fld id="{9F984A1A-F576-403E-81D7-74E1235F9109}" type="datetimeFigureOut">
               <a:rPr lang="en-GB" smtClean="0"/>
-              <a:t>24/02/2025</a:t>
+              <a:t>25/02/2025</a:t>
             </a:fld>
             <a:endParaRPr lang="en-GB"/>
           </a:p>
@@ -1845,7 +1845,7 @@
           <a:p>
             <a:fld id="{9F984A1A-F576-403E-81D7-74E1235F9109}" type="datetimeFigureOut">
               <a:rPr lang="en-GB" smtClean="0"/>
-              <a:t>24/02/2025</a:t>
+              <a:t>25/02/2025</a:t>
             </a:fld>
             <a:endParaRPr lang="en-GB"/>
           </a:p>
@@ -1987,7 +1987,7 @@
           <a:p>
             <a:fld id="{9F984A1A-F576-403E-81D7-74E1235F9109}" type="datetimeFigureOut">
               <a:rPr lang="en-GB" smtClean="0"/>
-              <a:t>24/02/2025</a:t>
+              <a:t>25/02/2025</a:t>
             </a:fld>
             <a:endParaRPr lang="en-GB"/>
           </a:p>
@@ -2100,7 +2100,7 @@
           <a:p>
             <a:fld id="{9F984A1A-F576-403E-81D7-74E1235F9109}" type="datetimeFigureOut">
               <a:rPr lang="en-GB" smtClean="0"/>
-              <a:t>24/02/2025</a:t>
+              <a:t>25/02/2025</a:t>
             </a:fld>
             <a:endParaRPr lang="en-GB"/>
           </a:p>
@@ -2413,7 +2413,7 @@
           <a:p>
             <a:fld id="{9F984A1A-F576-403E-81D7-74E1235F9109}" type="datetimeFigureOut">
               <a:rPr lang="en-GB" smtClean="0"/>
-              <a:t>24/02/2025</a:t>
+              <a:t>25/02/2025</a:t>
             </a:fld>
             <a:endParaRPr lang="en-GB"/>
           </a:p>
@@ -2702,7 +2702,7 @@
           <a:p>
             <a:fld id="{9F984A1A-F576-403E-81D7-74E1235F9109}" type="datetimeFigureOut">
               <a:rPr lang="en-GB" smtClean="0"/>
-              <a:t>24/02/2025</a:t>
+              <a:t>25/02/2025</a:t>
             </a:fld>
             <a:endParaRPr lang="en-GB"/>
           </a:p>
@@ -2945,7 +2945,7 @@
           <a:p>
             <a:fld id="{9F984A1A-F576-403E-81D7-74E1235F9109}" type="datetimeFigureOut">
               <a:rPr lang="en-GB" smtClean="0"/>
-              <a:t>24/02/2025</a:t>
+              <a:t>25/02/2025</a:t>
             </a:fld>
             <a:endParaRPr lang="en-GB"/>
           </a:p>
@@ -4580,14 +4580,14 @@
             <a:pPr algn="ctr"/>
             <a:r>
               <a:rPr lang="en-GB" sz="2800" b="1" dirty="0"/>
-              <a:t>REFLECTION EXAMPLE</a:t>
+              <a:t>EXTRACTION EXAMPLE</a:t>
             </a:r>
           </a:p>
           <a:p>
             <a:pPr algn="ctr"/>
             <a:r>
               <a:rPr lang="en-GB" sz="2800" b="1" dirty="0"/>
-              <a:t>Reviewing code and making suggestions with a final report</a:t>
+              <a:t>Extract data and store it</a:t>
             </a:r>
           </a:p>
         </p:txBody>

--- a/ai-agents.pptx
+++ b/ai-agents.pptx
@@ -13,6 +13,7 @@
     <p:sldId id="271" r:id="rId7"/>
     <p:sldId id="272" r:id="rId8"/>
     <p:sldId id="273" r:id="rId9"/>
+    <p:sldId id="274" r:id="rId10"/>
   </p:sldIdLst>
   <p:sldSz cx="12192000" cy="6858000"/>
   <p:notesSz cx="6858000" cy="9144000"/>
@@ -5570,6 +5571,167 @@
 </p:sld>
 </file>
 
+<file path=ppt/slides/slide9.xml><?xml version="1.0" encoding="utf-8"?>
+<p:sld xmlns:a="http://schemas.openxmlformats.org/drawingml/2006/main" xmlns:r="http://schemas.openxmlformats.org/officeDocument/2006/relationships" xmlns:p="http://schemas.openxmlformats.org/presentationml/2006/main">
+  <p:cSld>
+    <p:bg>
+      <p:bgPr>
+        <a:solidFill>
+          <a:schemeClr val="tx1">
+            <a:lumMod val="50000"/>
+            <a:lumOff val="50000"/>
+          </a:schemeClr>
+        </a:solidFill>
+        <a:effectLst/>
+      </p:bgPr>
+    </p:bg>
+    <p:spTree>
+      <p:nvGrpSpPr>
+        <p:cNvPr id="1" name="">
+          <a:extLst>
+            <a:ext uri="{FF2B5EF4-FFF2-40B4-BE49-F238E27FC236}">
+              <a16:creationId xmlns:a16="http://schemas.microsoft.com/office/drawing/2014/main" id="{710BF209-F643-2E42-DDC6-B9BC626DFEEC}"/>
+            </a:ext>
+          </a:extLst>
+        </p:cNvPr>
+        <p:cNvGrpSpPr/>
+        <p:nvPr/>
+      </p:nvGrpSpPr>
+      <p:grpSpPr>
+        <a:xfrm>
+          <a:off x="0" y="0"/>
+          <a:ext cx="0" cy="0"/>
+          <a:chOff x="0" y="0"/>
+          <a:chExt cx="0" cy="0"/>
+        </a:xfrm>
+      </p:grpSpPr>
+      <p:sp>
+        <p:nvSpPr>
+          <p:cNvPr id="2" name="Rectangle: Rounded Corners 1">
+            <a:extLst>
+              <a:ext uri="{FF2B5EF4-FFF2-40B4-BE49-F238E27FC236}">
+                <a16:creationId xmlns:a16="http://schemas.microsoft.com/office/drawing/2014/main" id="{71E59D87-44FF-9A00-05C5-8C8B5084E199}"/>
+              </a:ext>
+            </a:extLst>
+          </p:cNvPr>
+          <p:cNvSpPr/>
+          <p:nvPr/>
+        </p:nvSpPr>
+        <p:spPr>
+          <a:xfrm>
+            <a:off x="923113" y="445889"/>
+            <a:ext cx="10345774" cy="801384"/>
+          </a:xfrm>
+          <a:prstGeom prst="roundRect">
+            <a:avLst/>
+          </a:prstGeom>
+        </p:spPr>
+        <p:style>
+          <a:lnRef idx="2">
+            <a:schemeClr val="accent2">
+              <a:shade val="15000"/>
+            </a:schemeClr>
+          </a:lnRef>
+          <a:fillRef idx="1">
+            <a:schemeClr val="accent2"/>
+          </a:fillRef>
+          <a:effectRef idx="0">
+            <a:schemeClr val="accent2"/>
+          </a:effectRef>
+          <a:fontRef idx="minor">
+            <a:schemeClr val="lt1"/>
+          </a:fontRef>
+        </p:style>
+        <p:txBody>
+          <a:bodyPr rtlCol="0" anchor="ctr"/>
+          <a:lstStyle/>
+          <a:p>
+            <a:pPr algn="ctr"/>
+            <a:r>
+              <a:rPr lang="en-GB" sz="5400" b="1" dirty="0"/>
+              <a:t>20 KEY TAKEWAYS</a:t>
+            </a:r>
+          </a:p>
+        </p:txBody>
+      </p:sp>
+      <p:sp>
+        <p:nvSpPr>
+          <p:cNvPr id="9" name="Rectangle: Rounded Corners 8">
+            <a:extLst>
+              <a:ext uri="{FF2B5EF4-FFF2-40B4-BE49-F238E27FC236}">
+                <a16:creationId xmlns:a16="http://schemas.microsoft.com/office/drawing/2014/main" id="{35E17D67-44A7-EC46-6D49-CF1C7CA94C03}"/>
+              </a:ext>
+            </a:extLst>
+          </p:cNvPr>
+          <p:cNvSpPr/>
+          <p:nvPr/>
+        </p:nvSpPr>
+        <p:spPr>
+          <a:xfrm>
+            <a:off x="923113" y="1387818"/>
+            <a:ext cx="10345773" cy="4994797"/>
+          </a:xfrm>
+          <a:prstGeom prst="roundRect">
+            <a:avLst/>
+          </a:prstGeom>
+        </p:spPr>
+        <p:style>
+          <a:lnRef idx="2">
+            <a:schemeClr val="accent2">
+              <a:shade val="15000"/>
+            </a:schemeClr>
+          </a:lnRef>
+          <a:fillRef idx="1">
+            <a:schemeClr val="accent2"/>
+          </a:fillRef>
+          <a:effectRef idx="0">
+            <a:schemeClr val="accent2"/>
+          </a:effectRef>
+          <a:fontRef idx="minor">
+            <a:schemeClr val="lt1"/>
+          </a:fontRef>
+        </p:style>
+        <p:txBody>
+          <a:bodyPr rtlCol="0" anchor="ctr"/>
+          <a:lstStyle/>
+          <a:p>
+            <a:pPr algn="ctr"/>
+            <a:r>
+              <a:rPr lang="en-GB" sz="5400" b="1" dirty="0" err="1"/>
+              <a:t>ReAct</a:t>
+            </a:r>
+            <a:r>
+              <a:rPr lang="en-GB" sz="5400" b="1" dirty="0"/>
+              <a:t> pattern – Reason/Act</a:t>
+            </a:r>
+          </a:p>
+          <a:p>
+            <a:pPr algn="ctr"/>
+            <a:r>
+              <a:rPr lang="en-GB" sz="4400" b="1" dirty="0"/>
+              <a:t>Like the reflection pattern, we pass the output back into the agent until we get to a </a:t>
+            </a:r>
+            <a:r>
+              <a:rPr lang="en-GB" sz="4400" b="1"/>
+              <a:t>break point.</a:t>
+            </a:r>
+            <a:endParaRPr lang="en-GB" sz="4400" b="1" dirty="0"/>
+          </a:p>
+        </p:txBody>
+      </p:sp>
+    </p:spTree>
+    <p:extLst>
+      <p:ext uri="{BB962C8B-B14F-4D97-AF65-F5344CB8AC3E}">
+        <p14:creationId xmlns:p14="http://schemas.microsoft.com/office/powerpoint/2010/main" val="2042823868"/>
+      </p:ext>
+    </p:extLst>
+  </p:cSld>
+  <p:clrMapOvr>
+    <a:masterClrMapping/>
+  </p:clrMapOvr>
+</p:sld>
+</file>
+
 <file path=ppt/theme/theme1.xml><?xml version="1.0" encoding="utf-8"?>
 <a:theme xmlns:a="http://schemas.openxmlformats.org/drawingml/2006/main" name="Office Theme">
   <a:themeElements>

--- a/ai-agents.pptx
+++ b/ai-agents.pptx
@@ -277,7 +277,7 @@
           <a:p>
             <a:fld id="{9F984A1A-F576-403E-81D7-74E1235F9109}" type="datetimeFigureOut">
               <a:rPr lang="en-GB" smtClean="0"/>
-              <a:t>25/02/2025</a:t>
+              <a:t>26/02/2025</a:t>
             </a:fld>
             <a:endParaRPr lang="en-GB"/>
           </a:p>
@@ -477,7 +477,7 @@
           <a:p>
             <a:fld id="{9F984A1A-F576-403E-81D7-74E1235F9109}" type="datetimeFigureOut">
               <a:rPr lang="en-GB" smtClean="0"/>
-              <a:t>25/02/2025</a:t>
+              <a:t>26/02/2025</a:t>
             </a:fld>
             <a:endParaRPr lang="en-GB"/>
           </a:p>
@@ -687,7 +687,7 @@
           <a:p>
             <a:fld id="{9F984A1A-F576-403E-81D7-74E1235F9109}" type="datetimeFigureOut">
               <a:rPr lang="en-GB" smtClean="0"/>
-              <a:t>25/02/2025</a:t>
+              <a:t>26/02/2025</a:t>
             </a:fld>
             <a:endParaRPr lang="en-GB"/>
           </a:p>
@@ -887,7 +887,7 @@
           <a:p>
             <a:fld id="{9F984A1A-F576-403E-81D7-74E1235F9109}" type="datetimeFigureOut">
               <a:rPr lang="en-GB" smtClean="0"/>
-              <a:t>25/02/2025</a:t>
+              <a:t>26/02/2025</a:t>
             </a:fld>
             <a:endParaRPr lang="en-GB"/>
           </a:p>
@@ -1163,7 +1163,7 @@
           <a:p>
             <a:fld id="{9F984A1A-F576-403E-81D7-74E1235F9109}" type="datetimeFigureOut">
               <a:rPr lang="en-GB" smtClean="0"/>
-              <a:t>25/02/2025</a:t>
+              <a:t>26/02/2025</a:t>
             </a:fld>
             <a:endParaRPr lang="en-GB"/>
           </a:p>
@@ -1431,7 +1431,7 @@
           <a:p>
             <a:fld id="{9F984A1A-F576-403E-81D7-74E1235F9109}" type="datetimeFigureOut">
               <a:rPr lang="en-GB" smtClean="0"/>
-              <a:t>25/02/2025</a:t>
+              <a:t>26/02/2025</a:t>
             </a:fld>
             <a:endParaRPr lang="en-GB"/>
           </a:p>
@@ -1846,7 +1846,7 @@
           <a:p>
             <a:fld id="{9F984A1A-F576-403E-81D7-74E1235F9109}" type="datetimeFigureOut">
               <a:rPr lang="en-GB" smtClean="0"/>
-              <a:t>25/02/2025</a:t>
+              <a:t>26/02/2025</a:t>
             </a:fld>
             <a:endParaRPr lang="en-GB"/>
           </a:p>
@@ -1988,7 +1988,7 @@
           <a:p>
             <a:fld id="{9F984A1A-F576-403E-81D7-74E1235F9109}" type="datetimeFigureOut">
               <a:rPr lang="en-GB" smtClean="0"/>
-              <a:t>25/02/2025</a:t>
+              <a:t>26/02/2025</a:t>
             </a:fld>
             <a:endParaRPr lang="en-GB"/>
           </a:p>
@@ -2101,7 +2101,7 @@
           <a:p>
             <a:fld id="{9F984A1A-F576-403E-81D7-74E1235F9109}" type="datetimeFigureOut">
               <a:rPr lang="en-GB" smtClean="0"/>
-              <a:t>25/02/2025</a:t>
+              <a:t>26/02/2025</a:t>
             </a:fld>
             <a:endParaRPr lang="en-GB"/>
           </a:p>
@@ -2414,7 +2414,7 @@
           <a:p>
             <a:fld id="{9F984A1A-F576-403E-81D7-74E1235F9109}" type="datetimeFigureOut">
               <a:rPr lang="en-GB" smtClean="0"/>
-              <a:t>25/02/2025</a:t>
+              <a:t>26/02/2025</a:t>
             </a:fld>
             <a:endParaRPr lang="en-GB"/>
           </a:p>
@@ -2703,7 +2703,7 @@
           <a:p>
             <a:fld id="{9F984A1A-F576-403E-81D7-74E1235F9109}" type="datetimeFigureOut">
               <a:rPr lang="en-GB" smtClean="0"/>
-              <a:t>25/02/2025</a:t>
+              <a:t>26/02/2025</a:t>
             </a:fld>
             <a:endParaRPr lang="en-GB"/>
           </a:p>
@@ -2946,7 +2946,7 @@
           <a:p>
             <a:fld id="{9F984A1A-F576-403E-81D7-74E1235F9109}" type="datetimeFigureOut">
               <a:rPr lang="en-GB" smtClean="0"/>
-              <a:t>25/02/2025</a:t>
+              <a:t>26/02/2025</a:t>
             </a:fld>
             <a:endParaRPr lang="en-GB"/>
           </a:p>
@@ -3394,7 +3394,7 @@
         </p:nvSpPr>
         <p:spPr>
           <a:xfrm>
-            <a:off x="744878" y="890198"/>
+            <a:off x="460625" y="998251"/>
             <a:ext cx="11270750" cy="830997"/>
           </a:xfrm>
           <a:prstGeom prst="rect">
@@ -3440,7 +3440,7 @@
         </p:nvSpPr>
         <p:spPr>
           <a:xfrm>
-            <a:off x="460625" y="155027"/>
+            <a:off x="332805" y="167254"/>
             <a:ext cx="11270750" cy="830997"/>
           </a:xfrm>
           <a:prstGeom prst="rect">
@@ -3503,7 +3503,7 @@
         </p:blipFill>
         <p:spPr>
           <a:xfrm>
-            <a:off x="619875" y="2069460"/>
+            <a:off x="983441" y="2818982"/>
             <a:ext cx="1904262" cy="1655762"/>
           </a:xfrm>
           <a:prstGeom prst="rect">
@@ -3525,7 +3525,7 @@
         </p:nvSpPr>
         <p:spPr>
           <a:xfrm>
-            <a:off x="2750051" y="2069461"/>
+            <a:off x="2979174" y="2762006"/>
             <a:ext cx="4123360" cy="1769715"/>
           </a:xfrm>
           <a:prstGeom prst="rect">
@@ -3604,8 +3604,8 @@
         </p:nvSpPr>
         <p:spPr>
           <a:xfrm>
-            <a:off x="619875" y="4089886"/>
-            <a:ext cx="11111500" cy="2428870"/>
+            <a:off x="893329" y="4570489"/>
+            <a:ext cx="11111500" cy="2744341"/>
           </a:xfrm>
           <a:prstGeom prst="rect">
             <a:avLst/>
@@ -3624,7 +3624,7 @@
               </a:spcBef>
             </a:pPr>
             <a:r>
-              <a:rPr lang="en-GB" sz="2400" b="0" i="0" dirty="0">
+              <a:rPr lang="en-GB" sz="3200" b="0" i="0" dirty="0">
                 <a:solidFill>
                   <a:schemeClr val="bg1"/>
                 </a:solidFill>
@@ -3634,7 +3634,7 @@
               <a:t>GitHub Repo:</a:t>
             </a:r>
             <a:r>
-              <a:rPr lang="en-GB" sz="2400" b="0" dirty="0">
+              <a:rPr lang="en-GB" sz="3200" b="0" dirty="0">
                 <a:solidFill>
                   <a:schemeClr val="bg1"/>
                 </a:solidFill>
@@ -3643,7 +3643,7 @@
               <a:t>  </a:t>
             </a:r>
             <a:r>
-              <a:rPr lang="en-GB" sz="3200" i="0" dirty="0">
+              <a:rPr lang="en-GB" sz="4000" i="0" dirty="0">
                 <a:solidFill>
                   <a:schemeClr val="bg1"/>
                 </a:solidFill>
@@ -3672,14 +3672,14 @@
           <a:p>
             <a:pPr algn="l">
               <a:lnSpc>
-                <a:spcPts val="1000"/>
+                <a:spcPts val="1500"/>
               </a:lnSpc>
               <a:spcBef>
                 <a:spcPts val="1500"/>
               </a:spcBef>
             </a:pPr>
             <a:r>
-              <a:rPr lang="en-GB" dirty="0">
+              <a:rPr lang="en-GB" sz="2400" dirty="0">
                 <a:solidFill>
                   <a:schemeClr val="bg1"/>
                 </a:solidFill>
@@ -3691,14 +3691,14 @@
           <a:p>
             <a:pPr algn="l">
               <a:lnSpc>
-                <a:spcPts val="1000"/>
+                <a:spcPts val="1500"/>
               </a:lnSpc>
               <a:spcBef>
                 <a:spcPts val="1500"/>
               </a:spcBef>
             </a:pPr>
             <a:r>
-              <a:rPr lang="en-GB" dirty="0">
+              <a:rPr lang="en-GB" sz="2400" dirty="0">
                 <a:solidFill>
                   <a:schemeClr val="bg1"/>
                 </a:solidFill>
@@ -3710,14 +3710,14 @@
           <a:p>
             <a:pPr algn="l">
               <a:lnSpc>
-                <a:spcPts val="1000"/>
+                <a:spcPts val="1500"/>
               </a:lnSpc>
               <a:spcBef>
                 <a:spcPts val="1500"/>
               </a:spcBef>
             </a:pPr>
             <a:r>
-              <a:rPr lang="en-GB" dirty="0">
+              <a:rPr lang="en-GB" sz="2400" dirty="0">
                 <a:solidFill>
                   <a:schemeClr val="bg1"/>
                 </a:solidFill>
@@ -3744,10 +3744,10 @@
       </p:sp>
       <p:sp>
         <p:nvSpPr>
-          <p:cNvPr id="12" name="TextBox 11">
-            <a:extLst>
-              <a:ext uri="{FF2B5EF4-FFF2-40B4-BE49-F238E27FC236}">
-                <a16:creationId xmlns:a16="http://schemas.microsoft.com/office/drawing/2014/main" id="{BD2FCACE-B586-A62A-D015-C07742C7F02E}"/>
+          <p:cNvPr id="2" name="TextBox 1">
+            <a:extLst>
+              <a:ext uri="{FF2B5EF4-FFF2-40B4-BE49-F238E27FC236}">
+                <a16:creationId xmlns:a16="http://schemas.microsoft.com/office/drawing/2014/main" id="{13737DA9-DF5F-AB0C-9E11-A116F2C3F0F5}"/>
               </a:ext>
             </a:extLst>
           </p:cNvPr>
@@ -3756,8 +3756,8 @@
         </p:nvSpPr>
         <p:spPr>
           <a:xfrm>
-            <a:off x="6813835" y="1984822"/>
-            <a:ext cx="4917540" cy="1938992"/>
+            <a:off x="303308" y="1753639"/>
+            <a:ext cx="11270750" cy="830997"/>
           </a:xfrm>
           <a:prstGeom prst="rect">
             <a:avLst/>
@@ -3770,112 +3770,24 @@
           </a:bodyPr>
           <a:lstStyle/>
           <a:p>
-            <a:pPr algn="l">
+            <a:pPr algn="ctr">
               <a:spcBef>
                 <a:spcPts val="1500"/>
               </a:spcBef>
             </a:pPr>
             <a:r>
-              <a:rPr lang="en-GB" sz="2400" dirty="0">
+              <a:rPr lang="en-GB" sz="4800" i="0" dirty="0">
                 <a:solidFill>
                   <a:schemeClr val="bg1"/>
                 </a:solidFill>
+                <a:effectLst/>
                 <a:latin typeface="Montserrat" panose="020F0502020204030204" pitchFamily="2" charset="0"/>
               </a:rPr>
-              <a:t>I am enjoying my new puppy, Leo, working in community kitchens and being a coach at codebar.io/</a:t>
-            </a:r>
-            <a:r>
-              <a:rPr lang="en-GB" sz="2400" dirty="0" err="1">
-                <a:solidFill>
-                  <a:schemeClr val="bg1"/>
-                </a:solidFill>
-                <a:latin typeface="Montserrat" panose="020F0502020204030204" pitchFamily="2" charset="0"/>
-              </a:rPr>
-              <a:t>brighton</a:t>
-            </a:r>
-            <a:r>
-              <a:rPr lang="en-GB" sz="2400" dirty="0">
-                <a:solidFill>
-                  <a:schemeClr val="bg1"/>
-                </a:solidFill>
-                <a:latin typeface="Montserrat" panose="020F0502020204030204" pitchFamily="2" charset="0"/>
-              </a:rPr>
-              <a:t>, which I find very rewarding.</a:t>
-            </a:r>
-          </a:p>
-        </p:txBody>
-      </p:sp>
-      <p:pic>
-        <p:nvPicPr>
-          <p:cNvPr id="16" name="Picture 15">
-            <a:extLst>
-              <a:ext uri="{FF2B5EF4-FFF2-40B4-BE49-F238E27FC236}">
-                <a16:creationId xmlns:a16="http://schemas.microsoft.com/office/drawing/2014/main" id="{A90A8CCF-FC98-12DF-F924-6F8B0D86A8A2}"/>
-              </a:ext>
-            </a:extLst>
-          </p:cNvPr>
-          <p:cNvPicPr>
-            <a:picLocks noChangeAspect="1"/>
-          </p:cNvPicPr>
-          <p:nvPr/>
-        </p:nvPicPr>
-        <p:blipFill>
-          <a:blip r:embed="rId3">
-            <a:extLst>
-              <a:ext uri="{28A0092B-C50C-407E-A947-70E740481C1C}">
-                <a14:useLocalDpi xmlns:a14="http://schemas.microsoft.com/office/drawing/2010/main" val="0"/>
-              </a:ext>
-            </a:extLst>
-          </a:blip>
-          <a:srcRect/>
-          <a:stretch/>
-        </p:blipFill>
-        <p:spPr>
-          <a:xfrm>
-            <a:off x="7017859" y="4756974"/>
-            <a:ext cx="1242563" cy="1997180"/>
-          </a:xfrm>
-          <a:prstGeom prst="rect">
-            <a:avLst/>
-          </a:prstGeom>
-        </p:spPr>
-      </p:pic>
-      <p:pic>
-        <p:nvPicPr>
-          <p:cNvPr id="18" name="Picture 17" descr="A group of people raising their hands&#10;&#10;Description automatically generated">
-            <a:extLst>
-              <a:ext uri="{FF2B5EF4-FFF2-40B4-BE49-F238E27FC236}">
-                <a16:creationId xmlns:a16="http://schemas.microsoft.com/office/drawing/2014/main" id="{F16EBA66-3362-EE2D-2B5E-B60B219FBBD0}"/>
-              </a:ext>
-            </a:extLst>
-          </p:cNvPr>
-          <p:cNvPicPr>
-            <a:picLocks noChangeAspect="1"/>
-          </p:cNvPicPr>
-          <p:nvPr/>
-        </p:nvPicPr>
-        <p:blipFill>
-          <a:blip r:embed="rId4">
-            <a:extLst>
-              <a:ext uri="{28A0092B-C50C-407E-A947-70E740481C1C}">
-                <a14:useLocalDpi xmlns:a14="http://schemas.microsoft.com/office/drawing/2010/main" val="0"/>
-              </a:ext>
-            </a:extLst>
-          </a:blip>
-          <a:stretch>
-            <a:fillRect/>
-          </a:stretch>
-        </p:blipFill>
-        <p:spPr>
-          <a:xfrm>
-            <a:off x="8405113" y="5059444"/>
-            <a:ext cx="3610515" cy="1437976"/>
-          </a:xfrm>
-          <a:prstGeom prst="rect">
-            <a:avLst/>
-          </a:prstGeom>
-        </p:spPr>
-      </p:pic>
+              <a:t>AI Agents</a:t>
+            </a:r>
+          </a:p>
+        </p:txBody>
+      </p:sp>
     </p:spTree>
     <p:extLst>
       <p:ext uri="{BB962C8B-B14F-4D97-AF65-F5344CB8AC3E}">
